--- a/resources/DIGIWATER_presentation_template.pptx
+++ b/resources/DIGIWATER_presentation_template.pptx
@@ -112,6 +112,14 @@
       </a:defRPr>
     </a:lvl9pPr>
   </p:defaultTextStyle>
+  <p:extLst>
+    <p:ext uri="{EFAFB233-063F-42B5-8137-9DF3F51BA10A}">
+      <p15:sldGuideLst xmlns:p15="http://schemas.microsoft.com/office/powerpoint/2012/main"/>
+    </p:ext>
+    <p:ext uri="{2D200454-40CA-4A62-9FC3-DE9A4176ACB9}">
+      <p15:notesGuideLst xmlns:p15="http://schemas.microsoft.com/office/powerpoint/2012/main"/>
+    </p:ext>
+  </p:extLst>
 </p:presentation>
 </file>
 
@@ -209,7 +217,7 @@
           <a:p>
             <a:fld id="{05A63CED-2DFE-D74E-9F75-218F3B3DB19A}" type="datetimeFigureOut">
               <a:rPr lang="en-BE" smtClean="0"/>
-              <a:t>02/10/2025</a:t>
+              <a:t>03/10/2025</a:t>
             </a:fld>
             <a:endParaRPr lang="en-BE"/>
           </a:p>
@@ -386,7 +394,7 @@
           <a:p>
             <a:fld id="{6C70CAF7-5447-8B4E-B081-035828FF8BAE}" type="datetimeFigureOut">
               <a:rPr lang="en-BE" smtClean="0"/>
-              <a:t>02/10/2025</a:t>
+              <a:t>03/10/2025</a:t>
             </a:fld>
             <a:endParaRPr lang="en-BE"/>
           </a:p>
@@ -659,36 +667,9 @@
   <p:cSld name="Title Slide">
     <p:bg>
       <p:bgPr>
-        <a:gradFill flip="none" rotWithShape="1">
-          <a:gsLst>
-            <a:gs pos="0">
-              <a:schemeClr val="accent2">
-                <a:lumMod val="5000"/>
-                <a:lumOff val="95000"/>
-              </a:schemeClr>
-            </a:gs>
-            <a:gs pos="0">
-              <a:schemeClr val="accent5">
-                <a:lumMod val="20000"/>
-                <a:lumOff val="80000"/>
-              </a:schemeClr>
-            </a:gs>
-            <a:gs pos="83000">
-              <a:schemeClr val="accent2">
-                <a:lumMod val="45000"/>
-                <a:lumOff val="55000"/>
-              </a:schemeClr>
-            </a:gs>
-            <a:gs pos="100000">
-              <a:schemeClr val="accent2">
-                <a:lumMod val="30000"/>
-                <a:lumOff val="70000"/>
-              </a:schemeClr>
-            </a:gs>
-          </a:gsLst>
-          <a:lin ang="5400000" scaled="1"/>
-          <a:tileRect/>
-        </a:gradFill>
+        <a:solidFill>
+          <a:schemeClr val="bg1"/>
+        </a:solidFill>
         <a:effectLst/>
       </p:bgPr>
     </p:bg>
@@ -1548,34 +1529,9 @@
   <p:cSld name="Title and Content">
     <p:bg>
       <p:bgPr>
-        <a:gradFill>
-          <a:gsLst>
-            <a:gs pos="0">
-              <a:srgbClr val="FFFFFF">
-                <a:alpha val="0"/>
-              </a:srgbClr>
-            </a:gs>
-            <a:gs pos="0">
-              <a:schemeClr val="accent5">
-                <a:lumMod val="20000"/>
-                <a:lumOff val="80000"/>
-              </a:schemeClr>
-            </a:gs>
-            <a:gs pos="83000">
-              <a:schemeClr val="accent2">
-                <a:lumMod val="45000"/>
-                <a:lumOff val="55000"/>
-              </a:schemeClr>
-            </a:gs>
-            <a:gs pos="100000">
-              <a:schemeClr val="accent2">
-                <a:lumMod val="30000"/>
-                <a:lumOff val="70000"/>
-              </a:schemeClr>
-            </a:gs>
-          </a:gsLst>
-          <a:lin ang="5400000" scaled="1"/>
-        </a:gradFill>
+        <a:solidFill>
+          <a:schemeClr val="bg1"/>
+        </a:solidFill>
         <a:effectLst/>
       </p:bgPr>
     </p:bg>
@@ -1741,7 +1697,7 @@
         </p:blipFill>
         <p:spPr>
           <a:xfrm>
-            <a:off x="602231" y="6083245"/>
+            <a:off x="602231" y="6040381"/>
             <a:ext cx="1379218" cy="775810"/>
           </a:xfrm>
           <a:prstGeom prst="rect">
@@ -1773,7 +1729,7 @@
         </p:blipFill>
         <p:spPr>
           <a:xfrm>
-            <a:off x="2123451" y="6207351"/>
+            <a:off x="2123451" y="6164487"/>
             <a:ext cx="1056144" cy="470314"/>
           </a:xfrm>
           <a:prstGeom prst="rect">
@@ -1805,7 +1761,7 @@
         </p:blipFill>
         <p:spPr>
           <a:xfrm>
-            <a:off x="3179595" y="6184711"/>
+            <a:off x="3179595" y="6141847"/>
             <a:ext cx="544311" cy="544311"/>
           </a:xfrm>
           <a:prstGeom prst="rect">
@@ -1975,34 +1931,9 @@
   <p:cSld name="Two Content">
     <p:bg>
       <p:bgPr>
-        <a:gradFill>
-          <a:gsLst>
-            <a:gs pos="0">
-              <a:srgbClr val="FFFFFF">
-                <a:alpha val="0"/>
-              </a:srgbClr>
-            </a:gs>
-            <a:gs pos="0">
-              <a:schemeClr val="accent5">
-                <a:lumMod val="20000"/>
-                <a:lumOff val="80000"/>
-              </a:schemeClr>
-            </a:gs>
-            <a:gs pos="83000">
-              <a:schemeClr val="accent2">
-                <a:lumMod val="45000"/>
-                <a:lumOff val="55000"/>
-              </a:schemeClr>
-            </a:gs>
-            <a:gs pos="100000">
-              <a:schemeClr val="accent2">
-                <a:lumMod val="30000"/>
-                <a:lumOff val="70000"/>
-              </a:schemeClr>
-            </a:gs>
-          </a:gsLst>
-          <a:lin ang="5400000" scaled="1"/>
-        </a:gradFill>
+        <a:solidFill>
+          <a:schemeClr val="bg1"/>
+        </a:solidFill>
         <a:effectLst/>
       </p:bgPr>
     </p:bg>

--- a/resources/DIGIWATER_presentation_template.pptx
+++ b/resources/DIGIWATER_presentation_template.pptx
@@ -123,6 +123,97 @@
 </p:presentation>
 </file>
 
+<file path=ppt/revisionInfo.xml><?xml version="1.0" encoding="utf-8"?>
+<p1510:revInfo xmlns:a="http://schemas.openxmlformats.org/drawingml/2006/main" xmlns:r="http://schemas.openxmlformats.org/officeDocument/2006/relationships" xmlns:p1510="http://schemas.microsoft.com/office/powerpoint/2015/10/main">
+  <p1510:revLst>
+    <p1510:client id="{3490516B-4C85-4378-B0D5-4D72E2D85913}" v="1" dt="2025-10-06T08:55:39.602"/>
+  </p1510:revLst>
+</p1510:revInfo>
+</file>
+
+<file path=ppt/changesInfos/changesInfo1.xml><?xml version="1.0" encoding="utf-8"?>
+<pc:chgInfo xmlns:a="http://schemas.openxmlformats.org/drawingml/2006/main" xmlns:r="http://schemas.openxmlformats.org/officeDocument/2006/relationships" xmlns:ac="http://schemas.microsoft.com/office/drawing/2013/main/command" xmlns:pc="http://schemas.microsoft.com/office/powerpoint/2013/main/command">
+  <pc:docChgLst>
+    <pc:chgData name="Paul Munoz" userId="f523ce2d-69af-4177-8fdd-4b534a4a7d68" providerId="ADAL" clId="{7ADABA6B-4830-4E86-B5B9-08134200C911}"/>
+    <pc:docChg chg="custSel modMainMaster">
+      <pc:chgData name="Paul Munoz" userId="f523ce2d-69af-4177-8fdd-4b534a4a7d68" providerId="ADAL" clId="{7ADABA6B-4830-4E86-B5B9-08134200C911}" dt="2025-10-06T08:55:39.602" v="1"/>
+      <pc:docMkLst>
+        <pc:docMk/>
+      </pc:docMkLst>
+      <pc:sldMasterChg chg="modSldLayout">
+        <pc:chgData name="Paul Munoz" userId="f523ce2d-69af-4177-8fdd-4b534a4a7d68" providerId="ADAL" clId="{7ADABA6B-4830-4E86-B5B9-08134200C911}" dt="2025-10-06T08:55:39.602" v="1"/>
+        <pc:sldMasterMkLst>
+          <pc:docMk/>
+          <pc:sldMasterMk cId="2722350649" sldId="2147483648"/>
+        </pc:sldMasterMkLst>
+        <pc:sldLayoutChg chg="addSp delSp modSp mod">
+          <pc:chgData name="Paul Munoz" userId="f523ce2d-69af-4177-8fdd-4b534a4a7d68" providerId="ADAL" clId="{7ADABA6B-4830-4E86-B5B9-08134200C911}" dt="2025-10-06T08:55:39.602" v="1"/>
+          <pc:sldLayoutMkLst>
+            <pc:docMk/>
+            <pc:sldMasterMk cId="2722350649" sldId="2147483648"/>
+            <pc:sldLayoutMk cId="2976527063" sldId="2147483652"/>
+          </pc:sldLayoutMkLst>
+          <pc:picChg chg="add mod">
+            <ac:chgData name="Paul Munoz" userId="f523ce2d-69af-4177-8fdd-4b534a4a7d68" providerId="ADAL" clId="{7ADABA6B-4830-4E86-B5B9-08134200C911}" dt="2025-10-06T08:55:39.602" v="1"/>
+            <ac:picMkLst>
+              <pc:docMk/>
+              <pc:sldMasterMk cId="2722350649" sldId="2147483648"/>
+              <pc:sldLayoutMk cId="2976527063" sldId="2147483652"/>
+              <ac:picMk id="5" creationId="{13D27488-D045-F626-CEEE-74D352DDF66C}"/>
+            </ac:picMkLst>
+          </pc:picChg>
+          <pc:picChg chg="add mod">
+            <ac:chgData name="Paul Munoz" userId="f523ce2d-69af-4177-8fdd-4b534a4a7d68" providerId="ADAL" clId="{7ADABA6B-4830-4E86-B5B9-08134200C911}" dt="2025-10-06T08:55:39.602" v="1"/>
+            <ac:picMkLst>
+              <pc:docMk/>
+              <pc:sldMasterMk cId="2722350649" sldId="2147483648"/>
+              <pc:sldLayoutMk cId="2976527063" sldId="2147483652"/>
+              <ac:picMk id="6" creationId="{57A0A248-B4EF-77C9-B052-853B0672C2AB}"/>
+            </ac:picMkLst>
+          </pc:picChg>
+          <pc:picChg chg="add mod">
+            <ac:chgData name="Paul Munoz" userId="f523ce2d-69af-4177-8fdd-4b534a4a7d68" providerId="ADAL" clId="{7ADABA6B-4830-4E86-B5B9-08134200C911}" dt="2025-10-06T08:55:39.602" v="1"/>
+            <ac:picMkLst>
+              <pc:docMk/>
+              <pc:sldMasterMk cId="2722350649" sldId="2147483648"/>
+              <pc:sldLayoutMk cId="2976527063" sldId="2147483652"/>
+              <ac:picMk id="8" creationId="{1A76BA9A-7D6E-A056-1B77-FBBBE600DC18}"/>
+            </ac:picMkLst>
+          </pc:picChg>
+          <pc:picChg chg="del">
+            <ac:chgData name="Paul Munoz" userId="f523ce2d-69af-4177-8fdd-4b534a4a7d68" providerId="ADAL" clId="{7ADABA6B-4830-4E86-B5B9-08134200C911}" dt="2025-10-06T08:55:35.463" v="0" actId="478"/>
+            <ac:picMkLst>
+              <pc:docMk/>
+              <pc:sldMasterMk cId="2722350649" sldId="2147483648"/>
+              <pc:sldLayoutMk cId="2976527063" sldId="2147483652"/>
+              <ac:picMk id="15" creationId="{4B9F4717-7852-7938-6BAE-54E8D2135C9B}"/>
+            </ac:picMkLst>
+          </pc:picChg>
+          <pc:picChg chg="del">
+            <ac:chgData name="Paul Munoz" userId="f523ce2d-69af-4177-8fdd-4b534a4a7d68" providerId="ADAL" clId="{7ADABA6B-4830-4E86-B5B9-08134200C911}" dt="2025-10-06T08:55:35.463" v="0" actId="478"/>
+            <ac:picMkLst>
+              <pc:docMk/>
+              <pc:sldMasterMk cId="2722350649" sldId="2147483648"/>
+              <pc:sldLayoutMk cId="2976527063" sldId="2147483652"/>
+              <ac:picMk id="16" creationId="{96FD5237-77A1-7C9B-578C-2664FECBF3E0}"/>
+            </ac:picMkLst>
+          </pc:picChg>
+          <pc:picChg chg="del">
+            <ac:chgData name="Paul Munoz" userId="f523ce2d-69af-4177-8fdd-4b534a4a7d68" providerId="ADAL" clId="{7ADABA6B-4830-4E86-B5B9-08134200C911}" dt="2025-10-06T08:55:35.463" v="0" actId="478"/>
+            <ac:picMkLst>
+              <pc:docMk/>
+              <pc:sldMasterMk cId="2722350649" sldId="2147483648"/>
+              <pc:sldLayoutMk cId="2976527063" sldId="2147483652"/>
+              <ac:picMk id="17" creationId="{BBB984F3-185E-57DE-4820-2CB4DFB22E82}"/>
+            </ac:picMkLst>
+          </pc:picChg>
+        </pc:sldLayoutChg>
+      </pc:sldMasterChg>
+    </pc:docChg>
+  </pc:docChgLst>
+</pc:chgInfo>
+</file>
+
 <file path=ppt/handoutMasters/handoutMaster1.xml><?xml version="1.0" encoding="utf-8"?>
 <p:handoutMaster xmlns:a="http://schemas.openxmlformats.org/drawingml/2006/main" xmlns:r="http://schemas.openxmlformats.org/officeDocument/2006/relationships" xmlns:p="http://schemas.openxmlformats.org/presentationml/2006/main">
   <p:cSld>
@@ -217,7 +308,7 @@
           <a:p>
             <a:fld id="{05A63CED-2DFE-D74E-9F75-218F3B3DB19A}" type="datetimeFigureOut">
               <a:rPr lang="en-BE" smtClean="0"/>
-              <a:t>03/10/2025</a:t>
+              <a:t>06/10/2025</a:t>
             </a:fld>
             <a:endParaRPr lang="en-BE"/>
           </a:p>
@@ -394,7 +485,7 @@
           <a:p>
             <a:fld id="{6C70CAF7-5447-8B4E-B081-035828FF8BAE}" type="datetimeFigureOut">
               <a:rPr lang="en-BE" smtClean="0"/>
-              <a:t>03/10/2025</a:t>
+              <a:t>06/10/2025</a:t>
             </a:fld>
             <a:endParaRPr lang="en-BE"/>
           </a:p>
@@ -2167,102 +2258,6 @@
           </a:prstGeom>
         </p:spPr>
       </p:pic>
-      <p:pic>
-        <p:nvPicPr>
-          <p:cNvPr id="15" name="Picture 14">
-            <a:extLst>
-              <a:ext uri="{FF2B5EF4-FFF2-40B4-BE49-F238E27FC236}">
-                <a16:creationId xmlns:a16="http://schemas.microsoft.com/office/drawing/2014/main" id="{4B9F4717-7852-7938-6BAE-54E8D2135C9B}"/>
-              </a:ext>
-            </a:extLst>
-          </p:cNvPr>
-          <p:cNvPicPr>
-            <a:picLocks noChangeAspect="1"/>
-          </p:cNvPicPr>
-          <p:nvPr userDrawn="1"/>
-        </p:nvPicPr>
-        <p:blipFill>
-          <a:blip r:embed="rId3">
-            <a:alphaModFix amt="20000"/>
-          </a:blip>
-          <a:stretch>
-            <a:fillRect/>
-          </a:stretch>
-        </p:blipFill>
-        <p:spPr>
-          <a:xfrm>
-            <a:off x="602231" y="6083245"/>
-            <a:ext cx="1379218" cy="775810"/>
-          </a:xfrm>
-          <a:prstGeom prst="rect">
-            <a:avLst/>
-          </a:prstGeom>
-        </p:spPr>
-      </p:pic>
-      <p:pic>
-        <p:nvPicPr>
-          <p:cNvPr id="16" name="Picture 15">
-            <a:extLst>
-              <a:ext uri="{FF2B5EF4-FFF2-40B4-BE49-F238E27FC236}">
-                <a16:creationId xmlns:a16="http://schemas.microsoft.com/office/drawing/2014/main" id="{96FD5237-77A1-7C9B-578C-2664FECBF3E0}"/>
-              </a:ext>
-            </a:extLst>
-          </p:cNvPr>
-          <p:cNvPicPr>
-            <a:picLocks noChangeAspect="1"/>
-          </p:cNvPicPr>
-          <p:nvPr userDrawn="1"/>
-        </p:nvPicPr>
-        <p:blipFill>
-          <a:blip r:embed="rId4">
-            <a:alphaModFix amt="20000"/>
-          </a:blip>
-          <a:stretch>
-            <a:fillRect/>
-          </a:stretch>
-        </p:blipFill>
-        <p:spPr>
-          <a:xfrm>
-            <a:off x="2123451" y="6207351"/>
-            <a:ext cx="1056144" cy="470314"/>
-          </a:xfrm>
-          <a:prstGeom prst="rect">
-            <a:avLst/>
-          </a:prstGeom>
-        </p:spPr>
-      </p:pic>
-      <p:pic>
-        <p:nvPicPr>
-          <p:cNvPr id="17" name="Picture 16">
-            <a:extLst>
-              <a:ext uri="{FF2B5EF4-FFF2-40B4-BE49-F238E27FC236}">
-                <a16:creationId xmlns:a16="http://schemas.microsoft.com/office/drawing/2014/main" id="{BBB984F3-185E-57DE-4820-2CB4DFB22E82}"/>
-              </a:ext>
-            </a:extLst>
-          </p:cNvPr>
-          <p:cNvPicPr>
-            <a:picLocks noChangeAspect="1"/>
-          </p:cNvPicPr>
-          <p:nvPr userDrawn="1"/>
-        </p:nvPicPr>
-        <p:blipFill>
-          <a:blip r:embed="rId5">
-            <a:alphaModFix amt="20000"/>
-          </a:blip>
-          <a:stretch>
-            <a:fillRect/>
-          </a:stretch>
-        </p:blipFill>
-        <p:spPr>
-          <a:xfrm>
-            <a:off x="3179595" y="6184711"/>
-            <a:ext cx="544311" cy="544311"/>
-          </a:xfrm>
-          <a:prstGeom prst="rect">
-            <a:avLst/>
-          </a:prstGeom>
-        </p:spPr>
-      </p:pic>
       <p:sp>
         <p:nvSpPr>
           <p:cNvPr id="18" name="TextBox 17">
@@ -2346,7 +2341,7 @@
           <p:nvPr userDrawn="1"/>
         </p:nvPicPr>
         <p:blipFill>
-          <a:blip r:embed="rId6">
+          <a:blip r:embed="rId3">
             <a:clrChange>
               <a:clrFrom>
                 <a:srgbClr val="FFFFFF"/>
@@ -2367,6 +2362,102 @@
           <a:xfrm>
             <a:off x="9426816" y="462524"/>
             <a:ext cx="905944" cy="818834"/>
+          </a:xfrm>
+          <a:prstGeom prst="rect">
+            <a:avLst/>
+          </a:prstGeom>
+        </p:spPr>
+      </p:pic>
+      <p:pic>
+        <p:nvPicPr>
+          <p:cNvPr id="5" name="Picture 4">
+            <a:extLst>
+              <a:ext uri="{FF2B5EF4-FFF2-40B4-BE49-F238E27FC236}">
+                <a16:creationId xmlns:a16="http://schemas.microsoft.com/office/drawing/2014/main" id="{13D27488-D045-F626-CEEE-74D352DDF66C}"/>
+              </a:ext>
+            </a:extLst>
+          </p:cNvPr>
+          <p:cNvPicPr>
+            <a:picLocks noChangeAspect="1"/>
+          </p:cNvPicPr>
+          <p:nvPr userDrawn="1"/>
+        </p:nvPicPr>
+        <p:blipFill>
+          <a:blip r:embed="rId4">
+            <a:alphaModFix amt="20000"/>
+          </a:blip>
+          <a:stretch>
+            <a:fillRect/>
+          </a:stretch>
+        </p:blipFill>
+        <p:spPr>
+          <a:xfrm>
+            <a:off x="602231" y="6040381"/>
+            <a:ext cx="1379218" cy="775810"/>
+          </a:xfrm>
+          <a:prstGeom prst="rect">
+            <a:avLst/>
+          </a:prstGeom>
+        </p:spPr>
+      </p:pic>
+      <p:pic>
+        <p:nvPicPr>
+          <p:cNvPr id="6" name="Picture 5">
+            <a:extLst>
+              <a:ext uri="{FF2B5EF4-FFF2-40B4-BE49-F238E27FC236}">
+                <a16:creationId xmlns:a16="http://schemas.microsoft.com/office/drawing/2014/main" id="{57A0A248-B4EF-77C9-B052-853B0672C2AB}"/>
+              </a:ext>
+            </a:extLst>
+          </p:cNvPr>
+          <p:cNvPicPr>
+            <a:picLocks noChangeAspect="1"/>
+          </p:cNvPicPr>
+          <p:nvPr userDrawn="1"/>
+        </p:nvPicPr>
+        <p:blipFill>
+          <a:blip r:embed="rId5">
+            <a:alphaModFix amt="20000"/>
+          </a:blip>
+          <a:stretch>
+            <a:fillRect/>
+          </a:stretch>
+        </p:blipFill>
+        <p:spPr>
+          <a:xfrm>
+            <a:off x="2123451" y="6164487"/>
+            <a:ext cx="1056144" cy="470314"/>
+          </a:xfrm>
+          <a:prstGeom prst="rect">
+            <a:avLst/>
+          </a:prstGeom>
+        </p:spPr>
+      </p:pic>
+      <p:pic>
+        <p:nvPicPr>
+          <p:cNvPr id="8" name="Picture 7">
+            <a:extLst>
+              <a:ext uri="{FF2B5EF4-FFF2-40B4-BE49-F238E27FC236}">
+                <a16:creationId xmlns:a16="http://schemas.microsoft.com/office/drawing/2014/main" id="{1A76BA9A-7D6E-A056-1B77-FBBBE600DC18}"/>
+              </a:ext>
+            </a:extLst>
+          </p:cNvPr>
+          <p:cNvPicPr>
+            <a:picLocks noChangeAspect="1"/>
+          </p:cNvPicPr>
+          <p:nvPr userDrawn="1"/>
+        </p:nvPicPr>
+        <p:blipFill>
+          <a:blip r:embed="rId6">
+            <a:alphaModFix amt="20000"/>
+          </a:blip>
+          <a:stretch>
+            <a:fillRect/>
+          </a:stretch>
+        </p:blipFill>
+        <p:spPr>
+          <a:xfrm>
+            <a:off x="3179595" y="6141847"/>
+            <a:ext cx="544311" cy="544311"/>
           </a:xfrm>
           <a:prstGeom prst="rect">
             <a:avLst/>
